--- a/Yandex_project.pptx
+++ b/Yandex_project.pptx
@@ -106,6 +106,11 @@
       </a:defRPr>
     </a:lvl9pPr>
   </p:defaultTextStyle>
+  <p:extLst>
+    <p:ext uri="{EFAFB233-063F-42B5-8137-9DF3F51BA10A}">
+      <p15:sldGuideLst xmlns:p15="http://schemas.microsoft.com/office/powerpoint/2012/main"/>
+    </p:ext>
+  </p:extLst>
 </p:presentation>
 </file>
 
@@ -258,7 +263,7 @@
           <a:p>
             <a:fld id="{DB260574-1E6F-4F27-9554-C80ADDC573F0}" type="datetimeFigureOut">
               <a:rPr lang="ru-RU" smtClean="0"/>
-              <a:t>сб 14.01.23</a:t>
+              <a:t>вт 17.01.23</a:t>
             </a:fld>
             <a:endParaRPr lang="ru-RU"/>
           </a:p>
@@ -458,7 +463,7 @@
           <a:p>
             <a:fld id="{DB260574-1E6F-4F27-9554-C80ADDC573F0}" type="datetimeFigureOut">
               <a:rPr lang="ru-RU" smtClean="0"/>
-              <a:t>сб 14.01.23</a:t>
+              <a:t>вт 17.01.23</a:t>
             </a:fld>
             <a:endParaRPr lang="ru-RU"/>
           </a:p>
@@ -668,7 +673,7 @@
           <a:p>
             <a:fld id="{DB260574-1E6F-4F27-9554-C80ADDC573F0}" type="datetimeFigureOut">
               <a:rPr lang="ru-RU" smtClean="0"/>
-              <a:t>сб 14.01.23</a:t>
+              <a:t>вт 17.01.23</a:t>
             </a:fld>
             <a:endParaRPr lang="ru-RU"/>
           </a:p>
@@ -868,7 +873,7 @@
           <a:p>
             <a:fld id="{DB260574-1E6F-4F27-9554-C80ADDC573F0}" type="datetimeFigureOut">
               <a:rPr lang="ru-RU" smtClean="0"/>
-              <a:t>сб 14.01.23</a:t>
+              <a:t>вт 17.01.23</a:t>
             </a:fld>
             <a:endParaRPr lang="ru-RU"/>
           </a:p>
@@ -1144,7 +1149,7 @@
           <a:p>
             <a:fld id="{DB260574-1E6F-4F27-9554-C80ADDC573F0}" type="datetimeFigureOut">
               <a:rPr lang="ru-RU" smtClean="0"/>
-              <a:t>сб 14.01.23</a:t>
+              <a:t>вт 17.01.23</a:t>
             </a:fld>
             <a:endParaRPr lang="ru-RU"/>
           </a:p>
@@ -1412,7 +1417,7 @@
           <a:p>
             <a:fld id="{DB260574-1E6F-4F27-9554-C80ADDC573F0}" type="datetimeFigureOut">
               <a:rPr lang="ru-RU" smtClean="0"/>
-              <a:t>сб 14.01.23</a:t>
+              <a:t>вт 17.01.23</a:t>
             </a:fld>
             <a:endParaRPr lang="ru-RU"/>
           </a:p>
@@ -1827,7 +1832,7 @@
           <a:p>
             <a:fld id="{DB260574-1E6F-4F27-9554-C80ADDC573F0}" type="datetimeFigureOut">
               <a:rPr lang="ru-RU" smtClean="0"/>
-              <a:t>сб 14.01.23</a:t>
+              <a:t>вт 17.01.23</a:t>
             </a:fld>
             <a:endParaRPr lang="ru-RU"/>
           </a:p>
@@ -1969,7 +1974,7 @@
           <a:p>
             <a:fld id="{DB260574-1E6F-4F27-9554-C80ADDC573F0}" type="datetimeFigureOut">
               <a:rPr lang="ru-RU" smtClean="0"/>
-              <a:t>сб 14.01.23</a:t>
+              <a:t>вт 17.01.23</a:t>
             </a:fld>
             <a:endParaRPr lang="ru-RU"/>
           </a:p>
@@ -2082,7 +2087,7 @@
           <a:p>
             <a:fld id="{DB260574-1E6F-4F27-9554-C80ADDC573F0}" type="datetimeFigureOut">
               <a:rPr lang="ru-RU" smtClean="0"/>
-              <a:t>сб 14.01.23</a:t>
+              <a:t>вт 17.01.23</a:t>
             </a:fld>
             <a:endParaRPr lang="ru-RU"/>
           </a:p>
@@ -2395,7 +2400,7 @@
           <a:p>
             <a:fld id="{DB260574-1E6F-4F27-9554-C80ADDC573F0}" type="datetimeFigureOut">
               <a:rPr lang="ru-RU" smtClean="0"/>
-              <a:t>сб 14.01.23</a:t>
+              <a:t>вт 17.01.23</a:t>
             </a:fld>
             <a:endParaRPr lang="ru-RU"/>
           </a:p>
@@ -2684,7 +2689,7 @@
           <a:p>
             <a:fld id="{DB260574-1E6F-4F27-9554-C80ADDC573F0}" type="datetimeFigureOut">
               <a:rPr lang="ru-RU" smtClean="0"/>
-              <a:t>сб 14.01.23</a:t>
+              <a:t>вт 17.01.23</a:t>
             </a:fld>
             <a:endParaRPr lang="ru-RU"/>
           </a:p>
@@ -2927,7 +2932,7 @@
           <a:p>
             <a:fld id="{DB260574-1E6F-4F27-9554-C80ADDC573F0}" type="datetimeFigureOut">
               <a:rPr lang="ru-RU" smtClean="0"/>
-              <a:t>сб 14.01.23</a:t>
+              <a:t>вт 17.01.23</a:t>
             </a:fld>
             <a:endParaRPr lang="ru-RU"/>
           </a:p>
@@ -3495,8 +3500,8 @@
         </p:nvSpPr>
         <p:spPr>
           <a:xfrm>
-            <a:off x="875924" y="2551837"/>
-            <a:ext cx="7453264" cy="2031325"/>
+            <a:off x="285562" y="2339986"/>
+            <a:ext cx="11620876" cy="2585323"/>
           </a:xfrm>
           <a:prstGeom prst="rect">
             <a:avLst/>
@@ -3516,7 +3521,23 @@
                 <a:latin typeface="Times New Roman" panose="02020603050405020304" pitchFamily="18" charset="0"/>
                 <a:cs typeface="Times New Roman" panose="02020603050405020304" pitchFamily="18" charset="0"/>
               </a:rPr>
-              <a:t>Эта игра предназначена для развития или улучшения абстрактное мышление. Перед игроком находится коробка, в которой расположены металлические шары в разных секциях, шары превышают размер секции. Игрок может пустить определённое кол-во металлических шариков с разных сторон коробки, чтобы определить в каких секциях или секции находятся металлические шары. </a:t>
+              <a:t>Игра состоит из стартового окна, в котором можно сохранить результаты пройдённых уровней в </a:t>
+            </a:r>
+            <a:r>
+              <a:rPr lang="ru-RU" b="1" i="0" dirty="0" err="1">
+                <a:effectLst/>
+                <a:latin typeface="Times New Roman" panose="02020603050405020304" pitchFamily="18" charset="0"/>
+                <a:cs typeface="Times New Roman" panose="02020603050405020304" pitchFamily="18" charset="0"/>
+              </a:rPr>
+              <a:t>txt</a:t>
+            </a:r>
+            <a:r>
+              <a:rPr lang="ru-RU" b="1" i="0" dirty="0">
+                <a:effectLst/>
+                <a:latin typeface="Times New Roman" panose="02020603050405020304" pitchFamily="18" charset="0"/>
+                <a:cs typeface="Times New Roman" panose="02020603050405020304" pitchFamily="18" charset="0"/>
+              </a:rPr>
+              <a:t> файле, также кнопка для выхода из игры и входа в меню выбора уровня. Сами уровни представляют собой закрашенное поле, на котором находится коробка. Коробка состоит из секций одинакового размера. В секциях расположены металлические шары, они немного больше границ секции. У игрока есть определенное количество меньших по размеру металлических шаров чем, те которые находятся в коробке. Игроку предстоит запускать эти металлические шарики по бокам коробки, они будут ударяться об шары внутри коробки и вылетать из другой секции. Потратив все шарики, игрок должен определить в какой секции или в каких секциях находится центры металлических шаров. Чем больше игрок угадает расположение шаров, тем больше он получит балл за прохождения уровня.</a:t>
             </a:r>
           </a:p>
         </p:txBody>
@@ -3605,8 +3626,8 @@
         </p:nvSpPr>
         <p:spPr>
           <a:xfrm>
-            <a:off x="762252" y="1771984"/>
-            <a:ext cx="3586852" cy="1200329"/>
+            <a:off x="596291" y="1370830"/>
+            <a:ext cx="3586852" cy="1754326"/>
           </a:xfrm>
           <a:prstGeom prst="rect">
             <a:avLst/>
@@ -3626,27 +3647,8 @@
                 <a:latin typeface="Times New Roman" panose="02020603050405020304" pitchFamily="18" charset="0"/>
                 <a:cs typeface="Times New Roman" panose="02020603050405020304" pitchFamily="18" charset="0"/>
               </a:rPr>
-              <a:t>На каждом уровне найти наибольше количество секций, в которых находится металлические шары</a:t>
-            </a:r>
-            <a:r>
-              <a:rPr lang="en-US" b="1" dirty="0">
-                <a:latin typeface="Times New Roman" panose="02020603050405020304" pitchFamily="18" charset="0"/>
-                <a:cs typeface="Times New Roman" panose="02020603050405020304" pitchFamily="18" charset="0"/>
-              </a:rPr>
-              <a:t>.</a:t>
-            </a:r>
-            <a:r>
-              <a:rPr lang="ru-RU" b="1">
-                <a:latin typeface="Times New Roman" panose="02020603050405020304" pitchFamily="18" charset="0"/>
-                <a:cs typeface="Times New Roman" panose="02020603050405020304" pitchFamily="18" charset="0"/>
-              </a:rPr>
-              <a:t> </a:t>
-            </a:r>
-            <a:endParaRPr lang="ru-RU" b="1" i="0" dirty="0">
-              <a:effectLst/>
-              <a:latin typeface="Times New Roman" panose="02020603050405020304" pitchFamily="18" charset="0"/>
-              <a:cs typeface="Times New Roman" panose="02020603050405020304" pitchFamily="18" charset="0"/>
-            </a:endParaRPr>
+              <a:t>Эта игра предназначена для развития или улучшения абстрактное мышление. В каждом уровне надо найти в какой секции находится центр каждого металлического шара.</a:t>
+            </a:r>
           </a:p>
         </p:txBody>
       </p:sp>
@@ -3667,7 +3669,7 @@
         <p:spPr>
           <a:xfrm>
             <a:off x="5652380" y="45267"/>
-            <a:ext cx="2611403" cy="1325563"/>
+            <a:ext cx="3904262" cy="1325563"/>
           </a:xfrm>
           <a:prstGeom prst="rect">
             <a:avLst/>
@@ -3702,7 +3704,7 @@
                 <a:latin typeface="Times New Roman" panose="02020603050405020304" pitchFamily="18" charset="0"/>
                 <a:cs typeface="Times New Roman" panose="02020603050405020304" pitchFamily="18" charset="0"/>
               </a:rPr>
-              <a:t>Меню</a:t>
+              <a:t>Стартовое меню</a:t>
             </a:r>
           </a:p>
         </p:txBody>
@@ -3729,7 +3731,7 @@
         </p:blipFill>
         <p:spPr>
           <a:xfrm>
-            <a:off x="7104666" y="1516309"/>
+            <a:off x="6291743" y="1369582"/>
             <a:ext cx="2451976" cy="4118836"/>
           </a:xfrm>
           <a:prstGeom prst="rect">
@@ -3737,6 +3739,107 @@
           </a:prstGeom>
         </p:spPr>
       </p:pic>
+      <p:sp>
+        <p:nvSpPr>
+          <p:cNvPr id="3" name="TextBox 2">
+            <a:extLst>
+              <a:ext uri="{FF2B5EF4-FFF2-40B4-BE49-F238E27FC236}">
+                <a16:creationId xmlns:a16="http://schemas.microsoft.com/office/drawing/2014/main" id="{AFFEA2CC-A210-6BBD-D1AA-2B8F410352CC}"/>
+              </a:ext>
+            </a:extLst>
+          </p:cNvPr>
+          <p:cNvSpPr txBox="1"/>
+          <p:nvPr/>
+        </p:nvSpPr>
+        <p:spPr>
+          <a:xfrm>
+            <a:off x="596291" y="5635145"/>
+            <a:ext cx="5499709" cy="646331"/>
+          </a:xfrm>
+          <a:prstGeom prst="rect">
+            <a:avLst/>
+          </a:prstGeom>
+          <a:noFill/>
+        </p:spPr>
+        <p:txBody>
+          <a:bodyPr wrap="square">
+            <a:spAutoFit/>
+          </a:bodyPr>
+          <a:lstStyle/>
+          <a:p>
+            <a:pPr algn="l"/>
+            <a:r>
+              <a:rPr lang="ru-RU" b="1" i="0" dirty="0">
+                <a:effectLst/>
+                <a:latin typeface="Times New Roman" panose="02020603050405020304" pitchFamily="18" charset="0"/>
+                <a:cs typeface="Times New Roman" panose="02020603050405020304" pitchFamily="18" charset="0"/>
+              </a:rPr>
+              <a:t>В реализацию игры, входят классы: для отрисовки меню, кнопок, а также самого игрового поля.</a:t>
+            </a:r>
+          </a:p>
+        </p:txBody>
+      </p:sp>
+      <p:sp>
+        <p:nvSpPr>
+          <p:cNvPr id="4" name="Title 1">
+            <a:extLst>
+              <a:ext uri="{FF2B5EF4-FFF2-40B4-BE49-F238E27FC236}">
+                <a16:creationId xmlns:a16="http://schemas.microsoft.com/office/drawing/2014/main" id="{3D25A6C9-87E1-7332-46C7-4E78375A9530}"/>
+              </a:ext>
+            </a:extLst>
+          </p:cNvPr>
+          <p:cNvSpPr txBox="1">
+            <a:spLocks/>
+          </p:cNvSpPr>
+          <p:nvPr/>
+        </p:nvSpPr>
+        <p:spPr>
+          <a:xfrm>
+            <a:off x="394580" y="4309582"/>
+            <a:ext cx="3908972" cy="1325563"/>
+          </a:xfrm>
+          <a:prstGeom prst="rect">
+            <a:avLst/>
+          </a:prstGeom>
+        </p:spPr>
+        <p:txBody>
+          <a:bodyPr vert="horz" lIns="91440" tIns="45720" rIns="91440" bIns="45720" rtlCol="0" anchor="ctr">
+            <a:normAutofit/>
+          </a:bodyPr>
+          <a:lstStyle>
+            <a:lvl1pPr algn="l" defTabSz="914400" rtl="0" eaLnBrk="1" latinLnBrk="0" hangingPunct="1">
+              <a:lnSpc>
+                <a:spcPct val="90000"/>
+              </a:lnSpc>
+              <a:spcBef>
+                <a:spcPct val="0"/>
+              </a:spcBef>
+              <a:buNone/>
+              <a:defRPr sz="4400" kern="1200">
+                <a:solidFill>
+                  <a:schemeClr val="tx1"/>
+                </a:solidFill>
+                <a:latin typeface="+mj-lt"/>
+                <a:ea typeface="+mj-ea"/>
+                <a:cs typeface="+mj-cs"/>
+              </a:defRPr>
+            </a:lvl1pPr>
+          </a:lstStyle>
+          <a:p>
+            <a:r>
+              <a:rPr lang="ru-RU" sz="3200" b="1" dirty="0">
+                <a:latin typeface="Times New Roman" panose="02020603050405020304" pitchFamily="18" charset="0"/>
+                <a:cs typeface="Times New Roman" panose="02020603050405020304" pitchFamily="18" charset="0"/>
+              </a:rPr>
+              <a:t>Реализация игры</a:t>
+            </a:r>
+            <a:endParaRPr lang="ru-RU" sz="3200" dirty="0">
+              <a:latin typeface="Times New Roman" panose="02020603050405020304" pitchFamily="18" charset="0"/>
+              <a:cs typeface="Times New Roman" panose="02020603050405020304" pitchFamily="18" charset="0"/>
+            </a:endParaRPr>
+          </a:p>
+        </p:txBody>
+      </p:sp>
     </p:spTree>
     <p:extLst>
       <p:ext uri="{BB962C8B-B14F-4D97-AF65-F5344CB8AC3E}">
